--- a/DotNetYork.pptx
+++ b/DotNetYork.pptx
@@ -5146,6 +5146,17 @@
               <a:rPr lang="en-GB" dirty="0"/>
               <a:t>211 Projects in main solution</a:t>
             </a:r>
+          </a:p>
+          <a:p>
+            <a:r>
+              <a:rPr lang="en-GB" dirty="0"/>
+              <a:t>~1.3 million lines </a:t>
+            </a:r>
+            <a:r>
+              <a:rPr lang="en-GB"/>
+              <a:t>of backend code</a:t>
+            </a:r>
+            <a:endParaRPr lang="en-GB" dirty="0"/>
           </a:p>
           <a:p>
             <a:endParaRPr lang="en-GB" dirty="0"/>
